--- a/Components/ML/IBM Data Analyst Capstone Project/Final-capstone-story-template.pptx
+++ b/Components/ML/IBM Data Analyst Capstone Project/Final-capstone-story-template.pptx
@@ -163,7 +163,7 @@
 <file path=ppt/revisionInfo.xml><?xml version="1.0" encoding="utf-8"?>
 <p1510:revInfo xmlns:a="http://schemas.openxmlformats.org/drawingml/2006/main" xmlns:r="http://schemas.openxmlformats.org/officeDocument/2006/relationships" xmlns:p1510="http://schemas.microsoft.com/office/powerpoint/2015/10/main">
   <p1510:revLst>
-    <p1510:client id="{FA59663E-6DFF-9D4E-8891-7D6B14898A56}" v="10" dt="2024-04-15T15:30:54.820"/>
+    <p1510:client id="{FA59663E-6DFF-9D4E-8891-7D6B14898A56}" v="16" dt="2024-04-15T17:12:16.647"/>
   </p1510:revLst>
 </p1510:revInfo>
 </file>
@@ -173,7 +173,7 @@
   <pc:docChgLst>
     <pc:chgData name="aakash pokkanayil" userId="8ded4e9b9b367109" providerId="LiveId" clId="{FA59663E-6DFF-9D4E-8891-7D6B14898A56}"/>
     <pc:docChg chg="undo custSel modSld">
-      <pc:chgData name="aakash pokkanayil" userId="8ded4e9b9b367109" providerId="LiveId" clId="{FA59663E-6DFF-9D4E-8891-7D6B14898A56}" dt="2024-04-15T15:50:27.446" v="2011" actId="20577"/>
+      <pc:chgData name="aakash pokkanayil" userId="8ded4e9b9b367109" providerId="LiveId" clId="{FA59663E-6DFF-9D4E-8891-7D6B14898A56}" dt="2024-04-15T17:12:30.806" v="2622" actId="14100"/>
       <pc:docMkLst>
         <pc:docMk/>
       </pc:docMkLst>
@@ -409,6 +409,228 @@
             <ac:spMk id="4" creationId="{ACA6A89D-097D-4968-A07A-39A5B4F78A62}"/>
           </ac:spMkLst>
         </pc:spChg>
+      </pc:sldChg>
+      <pc:sldChg chg="modSp mod">
+        <pc:chgData name="aakash pokkanayil" userId="8ded4e9b9b367109" providerId="LiveId" clId="{FA59663E-6DFF-9D4E-8891-7D6B14898A56}" dt="2024-04-15T15:54:26.424" v="2012"/>
+        <pc:sldMkLst>
+          <pc:docMk/>
+          <pc:sldMk cId="9691683" sldId="267"/>
+        </pc:sldMkLst>
+        <pc:spChg chg="mod">
+          <ac:chgData name="aakash pokkanayil" userId="8ded4e9b9b367109" providerId="LiveId" clId="{FA59663E-6DFF-9D4E-8891-7D6B14898A56}" dt="2024-04-15T15:54:26.424" v="2012"/>
+          <ac:spMkLst>
+            <pc:docMk/>
+            <pc:sldMk cId="9691683" sldId="267"/>
+            <ac:spMk id="3" creationId="{902FD5C4-FE5F-46D2-ABC9-49FA4BB8442F}"/>
+          </ac:spMkLst>
+        </pc:spChg>
+      </pc:sldChg>
+      <pc:sldChg chg="addSp modSp mod">
+        <pc:chgData name="aakash pokkanayil" userId="8ded4e9b9b367109" providerId="LiveId" clId="{FA59663E-6DFF-9D4E-8891-7D6B14898A56}" dt="2024-04-15T15:57:01.312" v="2028" actId="14100"/>
+        <pc:sldMkLst>
+          <pc:docMk/>
+          <pc:sldMk cId="916853615" sldId="268"/>
+        </pc:sldMkLst>
+        <pc:spChg chg="mod">
+          <ac:chgData name="aakash pokkanayil" userId="8ded4e9b9b367109" providerId="LiveId" clId="{FA59663E-6DFF-9D4E-8891-7D6B14898A56}" dt="2024-04-15T15:55:18.985" v="2014" actId="20577"/>
+          <ac:spMkLst>
+            <pc:docMk/>
+            <pc:sldMk cId="916853615" sldId="268"/>
+            <ac:spMk id="8" creationId="{EFCC0E64-0E5B-4BA1-BC72-30FA1DE96F29}"/>
+          </ac:spMkLst>
+        </pc:spChg>
+        <pc:picChg chg="add mod">
+          <ac:chgData name="aakash pokkanayil" userId="8ded4e9b9b367109" providerId="LiveId" clId="{FA59663E-6DFF-9D4E-8891-7D6B14898A56}" dt="2024-04-15T15:57:01.312" v="2028" actId="14100"/>
+          <ac:picMkLst>
+            <pc:docMk/>
+            <pc:sldMk cId="916853615" sldId="268"/>
+            <ac:picMk id="4" creationId="{0BEA6DCB-CBB9-3E46-52E4-5C260BCBA255}"/>
+          </ac:picMkLst>
+        </pc:picChg>
+      </pc:sldChg>
+      <pc:sldChg chg="addSp delSp modSp mod">
+        <pc:chgData name="aakash pokkanayil" userId="8ded4e9b9b367109" providerId="LiveId" clId="{FA59663E-6DFF-9D4E-8891-7D6B14898A56}" dt="2024-04-15T15:56:39.850" v="2027" actId="14100"/>
+        <pc:sldMkLst>
+          <pc:docMk/>
+          <pc:sldMk cId="3266127139" sldId="269"/>
+        </pc:sldMkLst>
+        <pc:spChg chg="del mod">
+          <ac:chgData name="aakash pokkanayil" userId="8ded4e9b9b367109" providerId="LiveId" clId="{FA59663E-6DFF-9D4E-8891-7D6B14898A56}" dt="2024-04-15T15:56:24.292" v="2022" actId="931"/>
+          <ac:spMkLst>
+            <pc:docMk/>
+            <pc:sldMk cId="3266127139" sldId="269"/>
+            <ac:spMk id="8" creationId="{EFCC0E64-0E5B-4BA1-BC72-30FA1DE96F29}"/>
+          </ac:spMkLst>
+        </pc:spChg>
+        <pc:picChg chg="add mod">
+          <ac:chgData name="aakash pokkanayil" userId="8ded4e9b9b367109" providerId="LiveId" clId="{FA59663E-6DFF-9D4E-8891-7D6B14898A56}" dt="2024-04-15T15:56:39.850" v="2027" actId="14100"/>
+          <ac:picMkLst>
+            <pc:docMk/>
+            <pc:sldMk cId="3266127139" sldId="269"/>
+            <ac:picMk id="4" creationId="{BE96872A-762B-543B-8BDC-3DDEBA58A916}"/>
+          </ac:picMkLst>
+        </pc:picChg>
+      </pc:sldChg>
+      <pc:sldChg chg="addSp delSp modSp mod">
+        <pc:chgData name="aakash pokkanayil" userId="8ded4e9b9b367109" providerId="LiveId" clId="{FA59663E-6DFF-9D4E-8891-7D6B14898A56}" dt="2024-04-15T15:58:16.633" v="2036" actId="14100"/>
+        <pc:sldMkLst>
+          <pc:docMk/>
+          <pc:sldMk cId="3517973280" sldId="270"/>
+        </pc:sldMkLst>
+        <pc:spChg chg="del mod">
+          <ac:chgData name="aakash pokkanayil" userId="8ded4e9b9b367109" providerId="LiveId" clId="{FA59663E-6DFF-9D4E-8891-7D6B14898A56}" dt="2024-04-15T15:57:54.050" v="2031" actId="931"/>
+          <ac:spMkLst>
+            <pc:docMk/>
+            <pc:sldMk cId="3517973280" sldId="270"/>
+            <ac:spMk id="8" creationId="{EFCC0E64-0E5B-4BA1-BC72-30FA1DE96F29}"/>
+          </ac:spMkLst>
+        </pc:spChg>
+        <pc:picChg chg="add mod">
+          <ac:chgData name="aakash pokkanayil" userId="8ded4e9b9b367109" providerId="LiveId" clId="{FA59663E-6DFF-9D4E-8891-7D6B14898A56}" dt="2024-04-15T15:58:16.633" v="2036" actId="14100"/>
+          <ac:picMkLst>
+            <pc:docMk/>
+            <pc:sldMk cId="3517973280" sldId="270"/>
+            <ac:picMk id="4" creationId="{B5E15DF2-EF7C-8815-6F73-E1D554DFB1C4}"/>
+          </ac:picMkLst>
+        </pc:picChg>
+      </pc:sldChg>
+      <pc:sldChg chg="addSp delSp modSp mod">
+        <pc:chgData name="aakash pokkanayil" userId="8ded4e9b9b367109" providerId="LiveId" clId="{FA59663E-6DFF-9D4E-8891-7D6B14898A56}" dt="2024-04-15T16:03:29.973" v="2213" actId="20577"/>
+        <pc:sldMkLst>
+          <pc:docMk/>
+          <pc:sldMk cId="2161130591" sldId="272"/>
+        </pc:sldMkLst>
+        <pc:spChg chg="del">
+          <ac:chgData name="aakash pokkanayil" userId="8ded4e9b9b367109" providerId="LiveId" clId="{FA59663E-6DFF-9D4E-8891-7D6B14898A56}" dt="2024-04-15T15:59:54.263" v="2037" actId="34307"/>
+          <ac:spMkLst>
+            <pc:docMk/>
+            <pc:sldMk cId="2161130591" sldId="272"/>
+            <ac:spMk id="5" creationId="{28684E62-A9F8-4E7A-AB01-78893062A1B4}"/>
+          </ac:spMkLst>
+        </pc:spChg>
+        <pc:spChg chg="add mod">
+          <ac:chgData name="aakash pokkanayil" userId="8ded4e9b9b367109" providerId="LiveId" clId="{FA59663E-6DFF-9D4E-8891-7D6B14898A56}" dt="2024-04-15T16:03:29.973" v="2213" actId="20577"/>
+          <ac:spMkLst>
+            <pc:docMk/>
+            <pc:sldMk cId="2161130591" sldId="272"/>
+            <ac:spMk id="7" creationId="{CB4B6948-130D-3C1B-B74F-0B058ECD4BE4}"/>
+          </ac:spMkLst>
+        </pc:spChg>
+        <pc:picChg chg="add del mod ord">
+          <ac:chgData name="aakash pokkanayil" userId="8ded4e9b9b367109" providerId="LiveId" clId="{FA59663E-6DFF-9D4E-8891-7D6B14898A56}" dt="2024-04-15T15:59:57.713" v="2038" actId="478"/>
+          <ac:picMkLst>
+            <pc:docMk/>
+            <pc:sldMk cId="2161130591" sldId="272"/>
+            <ac:picMk id="4" creationId="{E2479002-A599-5CB4-ED3A-F5561C70DF3F}"/>
+          </ac:picMkLst>
+        </pc:picChg>
+      </pc:sldChg>
+      <pc:sldChg chg="modSp mod">
+        <pc:chgData name="aakash pokkanayil" userId="8ded4e9b9b367109" providerId="LiveId" clId="{FA59663E-6DFF-9D4E-8891-7D6B14898A56}" dt="2024-04-15T16:09:48.262" v="2506" actId="20577"/>
+        <pc:sldMkLst>
+          <pc:docMk/>
+          <pc:sldMk cId="647271476" sldId="273"/>
+        </pc:sldMkLst>
+        <pc:spChg chg="mod">
+          <ac:chgData name="aakash pokkanayil" userId="8ded4e9b9b367109" providerId="LiveId" clId="{FA59663E-6DFF-9D4E-8891-7D6B14898A56}" dt="2024-04-15T16:06:35.980" v="2332" actId="20577"/>
+          <ac:spMkLst>
+            <pc:docMk/>
+            <pc:sldMk cId="647271476" sldId="273"/>
+            <ac:spMk id="3" creationId="{E4FC0D20-FACF-4D73-BD27-CF8F6B97546A}"/>
+          </ac:spMkLst>
+        </pc:spChg>
+        <pc:spChg chg="mod">
+          <ac:chgData name="aakash pokkanayil" userId="8ded4e9b9b367109" providerId="LiveId" clId="{FA59663E-6DFF-9D4E-8891-7D6B14898A56}" dt="2024-04-15T16:09:48.262" v="2506" actId="20577"/>
+          <ac:spMkLst>
+            <pc:docMk/>
+            <pc:sldMk cId="647271476" sldId="273"/>
+            <ac:spMk id="4" creationId="{ACA6A89D-097D-4968-A07A-39A5B4F78A62}"/>
+          </ac:spMkLst>
+        </pc:spChg>
+      </pc:sldChg>
+      <pc:sldChg chg="modSp mod">
+        <pc:chgData name="aakash pokkanayil" userId="8ded4e9b9b367109" providerId="LiveId" clId="{FA59663E-6DFF-9D4E-8891-7D6B14898A56}" dt="2024-04-15T16:12:41.960" v="2595" actId="20577"/>
+        <pc:sldMkLst>
+          <pc:docMk/>
+          <pc:sldMk cId="1630123617" sldId="274"/>
+        </pc:sldMkLst>
+        <pc:spChg chg="mod">
+          <ac:chgData name="aakash pokkanayil" userId="8ded4e9b9b367109" providerId="LiveId" clId="{FA59663E-6DFF-9D4E-8891-7D6B14898A56}" dt="2024-04-15T16:12:41.960" v="2595" actId="20577"/>
+          <ac:spMkLst>
+            <pc:docMk/>
+            <pc:sldMk cId="1630123617" sldId="274"/>
+            <ac:spMk id="5" creationId="{28684E62-A9F8-4E7A-AB01-78893062A1B4}"/>
+          </ac:spMkLst>
+        </pc:spChg>
+      </pc:sldChg>
+      <pc:sldChg chg="addSp delSp modSp mod">
+        <pc:chgData name="aakash pokkanayil" userId="8ded4e9b9b367109" providerId="LiveId" clId="{FA59663E-6DFF-9D4E-8891-7D6B14898A56}" dt="2024-04-15T16:16:06.358" v="2604" actId="14100"/>
+        <pc:sldMkLst>
+          <pc:docMk/>
+          <pc:sldMk cId="3410008520" sldId="275"/>
+        </pc:sldMkLst>
+        <pc:spChg chg="del mod">
+          <ac:chgData name="aakash pokkanayil" userId="8ded4e9b9b367109" providerId="LiveId" clId="{FA59663E-6DFF-9D4E-8891-7D6B14898A56}" dt="2024-04-15T16:15:53.845" v="2598" actId="931"/>
+          <ac:spMkLst>
+            <pc:docMk/>
+            <pc:sldMk cId="3410008520" sldId="275"/>
+            <ac:spMk id="5" creationId="{28684E62-A9F8-4E7A-AB01-78893062A1B4}"/>
+          </ac:spMkLst>
+        </pc:spChg>
+        <pc:picChg chg="add mod">
+          <ac:chgData name="aakash pokkanayil" userId="8ded4e9b9b367109" providerId="LiveId" clId="{FA59663E-6DFF-9D4E-8891-7D6B14898A56}" dt="2024-04-15T16:16:06.358" v="2604" actId="14100"/>
+          <ac:picMkLst>
+            <pc:docMk/>
+            <pc:sldMk cId="3410008520" sldId="275"/>
+            <ac:picMk id="6" creationId="{C9E6D791-3DF4-9801-C1E6-2A41519000BC}"/>
+          </ac:picMkLst>
+        </pc:picChg>
+      </pc:sldChg>
+      <pc:sldChg chg="addSp delSp modSp mod">
+        <pc:chgData name="aakash pokkanayil" userId="8ded4e9b9b367109" providerId="LiveId" clId="{FA59663E-6DFF-9D4E-8891-7D6B14898A56}" dt="2024-04-15T17:12:30.806" v="2622" actId="14100"/>
+        <pc:sldMkLst>
+          <pc:docMk/>
+          <pc:sldMk cId="3078551498" sldId="276"/>
+        </pc:sldMkLst>
+        <pc:spChg chg="del mod">
+          <ac:chgData name="aakash pokkanayil" userId="8ded4e9b9b367109" providerId="LiveId" clId="{FA59663E-6DFF-9D4E-8891-7D6B14898A56}" dt="2024-04-15T17:12:16.647" v="2616" actId="931"/>
+          <ac:spMkLst>
+            <pc:docMk/>
+            <pc:sldMk cId="3078551498" sldId="276"/>
+            <ac:spMk id="3" creationId="{902FD5C4-FE5F-46D2-ABC9-49FA4BB8442F}"/>
+          </ac:spMkLst>
+        </pc:spChg>
+        <pc:picChg chg="add mod">
+          <ac:chgData name="aakash pokkanayil" userId="8ded4e9b9b367109" providerId="LiveId" clId="{FA59663E-6DFF-9D4E-8891-7D6B14898A56}" dt="2024-04-15T17:12:30.806" v="2622" actId="14100"/>
+          <ac:picMkLst>
+            <pc:docMk/>
+            <pc:sldMk cId="3078551498" sldId="276"/>
+            <ac:picMk id="5" creationId="{DBC3BD3B-5912-6921-DEAB-8207FE6C83E5}"/>
+          </ac:picMkLst>
+        </pc:picChg>
+      </pc:sldChg>
+      <pc:sldChg chg="addSp delSp modSp mod">
+        <pc:chgData name="aakash pokkanayil" userId="8ded4e9b9b367109" providerId="LiveId" clId="{FA59663E-6DFF-9D4E-8891-7D6B14898A56}" dt="2024-04-15T17:06:13.106" v="2614" actId="14100"/>
+        <pc:sldMkLst>
+          <pc:docMk/>
+          <pc:sldMk cId="1817399028" sldId="277"/>
+        </pc:sldMkLst>
+        <pc:spChg chg="del mod">
+          <ac:chgData name="aakash pokkanayil" userId="8ded4e9b9b367109" providerId="LiveId" clId="{FA59663E-6DFF-9D4E-8891-7D6B14898A56}" dt="2024-04-15T17:05:57.349" v="2608" actId="931"/>
+          <ac:spMkLst>
+            <pc:docMk/>
+            <pc:sldMk cId="1817399028" sldId="277"/>
+            <ac:spMk id="3" creationId="{902FD5C4-FE5F-46D2-ABC9-49FA4BB8442F}"/>
+          </ac:spMkLst>
+        </pc:spChg>
+        <pc:picChg chg="add mod">
+          <ac:chgData name="aakash pokkanayil" userId="8ded4e9b9b367109" providerId="LiveId" clId="{FA59663E-6DFF-9D4E-8891-7D6B14898A56}" dt="2024-04-15T17:06:13.106" v="2614" actId="14100"/>
+          <ac:picMkLst>
+            <pc:docMk/>
+            <pc:sldMk cId="1817399028" sldId="277"/>
+            <ac:picMk id="5" creationId="{B1FA38BF-195E-B273-12AA-68E7FD6F37E6}"/>
+          </ac:picMkLst>
+        </pc:picChg>
       </pc:sldChg>
       <pc:sldChg chg="addSp delSp modSp mod">
         <pc:chgData name="aakash pokkanayil" userId="8ded4e9b9b367109" providerId="LiveId" clId="{FA59663E-6DFF-9D4E-8891-7D6B14898A56}" dt="2024-04-15T15:31:02.294" v="1445" actId="14100"/>
@@ -6813,7 +7035,31 @@
             </a:pPr>
             <a:r>
               <a:rPr lang="en-US" sz="2200" dirty="0"/>
-              <a:t>&lt;The GitHub link of the Cognos dashboard goes here.&gt;</a:t>
+              <a:t>https://</a:t>
+            </a:r>
+            <a:r>
+              <a:rPr lang="en-US" sz="2200" dirty="0" err="1"/>
+              <a:t>github.com</a:t>
+            </a:r>
+            <a:r>
+              <a:rPr lang="en-US" sz="2200" dirty="0"/>
+              <a:t>/</a:t>
+            </a:r>
+            <a:r>
+              <a:rPr lang="en-US" sz="2200" dirty="0" err="1"/>
+              <a:t>aakashpokkanayil</a:t>
+            </a:r>
+            <a:r>
+              <a:rPr lang="en-US" sz="2200" dirty="0"/>
+              <a:t>/</a:t>
+            </a:r>
+            <a:r>
+              <a:rPr lang="en-US" sz="2200" dirty="0" err="1"/>
+              <a:t>Data_Science_Prep</a:t>
+            </a:r>
+            <a:r>
+              <a:rPr lang="en-US" sz="2200" dirty="0"/>
+              <a:t>/blob/main/Components/ML/IBM%20Data%20Analyst%20Capstone%20Project/ibm%20capstone_new.pdf</a:t>
             </a:r>
           </a:p>
         </p:txBody>
@@ -6954,13 +7200,40 @@
             <a:pPr marL="0" indent="0">
               <a:buNone/>
             </a:pPr>
-            <a:r>
-              <a:rPr lang="en-US" dirty="0"/>
-              <a:t>Screenshot of dashboard tab 1 goes here</a:t>
-            </a:r>
+            <a:endParaRPr lang="en-US" dirty="0"/>
           </a:p>
         </p:txBody>
       </p:sp>
+      <p:pic>
+        <p:nvPicPr>
+          <p:cNvPr id="4" name="Picture 3" descr="A screenshot of a computer screen&#10;&#10;Description automatically generated">
+            <a:extLst>
+              <a:ext uri="{FF2B5EF4-FFF2-40B4-BE49-F238E27FC236}">
+                <a16:creationId xmlns:a16="http://schemas.microsoft.com/office/drawing/2014/main" id="{0BEA6DCB-CBB9-3E46-52E4-5C260BCBA255}"/>
+              </a:ext>
+            </a:extLst>
+          </p:cNvPr>
+          <p:cNvPicPr>
+            <a:picLocks noChangeAspect="1"/>
+          </p:cNvPicPr>
+          <p:nvPr/>
+        </p:nvPicPr>
+        <p:blipFill>
+          <a:blip r:embed="rId2"/>
+          <a:stretch>
+            <a:fillRect/>
+          </a:stretch>
+        </p:blipFill>
+        <p:spPr>
+          <a:xfrm>
+            <a:off x="838200" y="1316736"/>
+            <a:ext cx="10515600" cy="4530293"/>
+          </a:xfrm>
+          <a:prstGeom prst="rect">
+            <a:avLst/>
+          </a:prstGeom>
+        </p:spPr>
+      </p:pic>
     </p:spTree>
     <p:extLst>
       <p:ext uri="{BB962C8B-B14F-4D97-AF65-F5344CB8AC3E}">
@@ -7026,54 +7299,35 @@
           </a:p>
         </p:txBody>
       </p:sp>
-      <p:sp>
-        <p:nvSpPr>
-          <p:cNvPr id="8" name="Content Placeholder 2">
+      <p:pic>
+        <p:nvPicPr>
+          <p:cNvPr id="4" name="Content Placeholder 3" descr="A collage of different colored graphs&#10;&#10;Description automatically generated">
             <a:extLst>
               <a:ext uri="{FF2B5EF4-FFF2-40B4-BE49-F238E27FC236}">
-                <a16:creationId xmlns:a16="http://schemas.microsoft.com/office/drawing/2014/main" id="{EFCC0E64-0E5B-4BA1-BC72-30FA1DE96F29}"/>
+                <a16:creationId xmlns:a16="http://schemas.microsoft.com/office/drawing/2014/main" id="{BE96872A-762B-543B-8BDC-3DDEBA58A916}"/>
               </a:ext>
             </a:extLst>
           </p:cNvPr>
-          <p:cNvSpPr>
-            <a:spLocks noGrp="1"/>
-          </p:cNvSpPr>
+          <p:cNvPicPr>
+            <a:picLocks noGrp="1" noChangeAspect="1"/>
+          </p:cNvPicPr>
           <p:nvPr>
             <p:ph idx="1"/>
           </p:nvPr>
-        </p:nvSpPr>
+        </p:nvPicPr>
+        <p:blipFill>
+          <a:blip r:embed="rId2"/>
+          <a:stretch>
+            <a:fillRect/>
+          </a:stretch>
+        </p:blipFill>
         <p:spPr>
           <a:xfrm>
-            <a:off x="838200" y="1690688"/>
-            <a:ext cx="10515600" cy="4351338"/>
+            <a:off x="838200" y="1353312"/>
+            <a:ext cx="10515600" cy="4688713"/>
           </a:xfrm>
         </p:spPr>
-        <p:txBody>
-          <a:bodyPr/>
-          <a:lstStyle/>
-          <a:p>
-            <a:pPr marL="0" indent="0">
-              <a:buNone/>
-            </a:pPr>
-            <a:endParaRPr lang="en-US" dirty="0"/>
-          </a:p>
-          <a:p>
-            <a:pPr marL="0" indent="0">
-              <a:buNone/>
-            </a:pPr>
-            <a:endParaRPr lang="en-US" dirty="0"/>
-          </a:p>
-          <a:p>
-            <a:pPr marL="0" indent="0">
-              <a:buNone/>
-            </a:pPr>
-            <a:r>
-              <a:rPr lang="en-US" dirty="0"/>
-              <a:t>Screenshot of dashboard tab 2 goes here</a:t>
-            </a:r>
-          </a:p>
-        </p:txBody>
-      </p:sp>
+      </p:pic>
     </p:spTree>
     <p:extLst>
       <p:ext uri="{BB962C8B-B14F-4D97-AF65-F5344CB8AC3E}">
@@ -7139,54 +7393,35 @@
           </a:p>
         </p:txBody>
       </p:sp>
-      <p:sp>
-        <p:nvSpPr>
-          <p:cNvPr id="8" name="Content Placeholder 2">
+      <p:pic>
+        <p:nvPicPr>
+          <p:cNvPr id="4" name="Content Placeholder 3" descr="A screenshot of a computer&#10;&#10;Description automatically generated">
             <a:extLst>
               <a:ext uri="{FF2B5EF4-FFF2-40B4-BE49-F238E27FC236}">
-                <a16:creationId xmlns:a16="http://schemas.microsoft.com/office/drawing/2014/main" id="{EFCC0E64-0E5B-4BA1-BC72-30FA1DE96F29}"/>
+                <a16:creationId xmlns:a16="http://schemas.microsoft.com/office/drawing/2014/main" id="{B5E15DF2-EF7C-8815-6F73-E1D554DFB1C4}"/>
               </a:ext>
             </a:extLst>
           </p:cNvPr>
-          <p:cNvSpPr>
-            <a:spLocks noGrp="1"/>
-          </p:cNvSpPr>
+          <p:cNvPicPr>
+            <a:picLocks noGrp="1" noChangeAspect="1"/>
+          </p:cNvPicPr>
           <p:nvPr>
             <p:ph idx="1"/>
           </p:nvPr>
-        </p:nvSpPr>
+        </p:nvPicPr>
+        <p:blipFill>
+          <a:blip r:embed="rId2"/>
+          <a:stretch>
+            <a:fillRect/>
+          </a:stretch>
+        </p:blipFill>
         <p:spPr>
           <a:xfrm>
-            <a:off x="838200" y="1690688"/>
-            <a:ext cx="10515600" cy="4351338"/>
+            <a:off x="838200" y="1316736"/>
+            <a:ext cx="10515600" cy="4725289"/>
           </a:xfrm>
         </p:spPr>
-        <p:txBody>
-          <a:bodyPr/>
-          <a:lstStyle/>
-          <a:p>
-            <a:pPr marL="0" indent="0">
-              <a:buNone/>
-            </a:pPr>
-            <a:endParaRPr lang="en-US" dirty="0"/>
-          </a:p>
-          <a:p>
-            <a:pPr marL="0" indent="0">
-              <a:buNone/>
-            </a:pPr>
-            <a:endParaRPr lang="en-US" dirty="0"/>
-          </a:p>
-          <a:p>
-            <a:pPr marL="0" indent="0">
-              <a:buNone/>
-            </a:pPr>
-            <a:r>
-              <a:rPr lang="en-US" dirty="0"/>
-              <a:t>Screenshot of dashboard tab 3 goes here</a:t>
-            </a:r>
-          </a:p>
-        </p:txBody>
-      </p:sp>
+      </p:pic>
     </p:spTree>
     <p:extLst>
       <p:ext uri="{BB962C8B-B14F-4D97-AF65-F5344CB8AC3E}">
@@ -7287,10 +7522,10 @@
       </p:pic>
       <p:sp>
         <p:nvSpPr>
-          <p:cNvPr id="5" name="Content Placeholder 3">
+          <p:cNvPr id="7" name="Content Placeholder 6">
             <a:extLst>
               <a:ext uri="{FF2B5EF4-FFF2-40B4-BE49-F238E27FC236}">
-                <a16:creationId xmlns:a16="http://schemas.microsoft.com/office/drawing/2014/main" id="{28684E62-A9F8-4E7A-AB01-78893062A1B4}"/>
+                <a16:creationId xmlns:a16="http://schemas.microsoft.com/office/drawing/2014/main" id="{CB4B6948-130D-3C1B-B74F-0B058ECD4BE4}"/>
               </a:ext>
             </a:extLst>
           </p:cNvPr>
@@ -7301,17 +7536,21 @@
             <p:ph sz="half" idx="2"/>
           </p:nvPr>
         </p:nvSpPr>
-        <p:spPr>
-          <a:xfrm>
-            <a:off x="6172200" y="1825625"/>
-            <a:ext cx="5181600" cy="4351338"/>
-          </a:xfrm>
-        </p:spPr>
+        <p:spPr/>
         <p:txBody>
           <a:bodyPr/>
           <a:lstStyle/>
           <a:p>
-            <a:endParaRPr lang="en-US" dirty="0"/>
+            <a:r>
+              <a:rPr lang="en-US" dirty="0"/>
+              <a:t>Current and future technology trends</a:t>
+            </a:r>
+          </a:p>
+          <a:p>
+            <a:r>
+              <a:rPr lang="en-US" dirty="0"/>
+              <a:t>Classification of developers based on age , gender, country and education. </a:t>
+            </a:r>
           </a:p>
         </p:txBody>
       </p:sp>
@@ -7418,19 +7657,19 @@
           <a:p>
             <a:r>
               <a:rPr lang="en-US" dirty="0"/>
-              <a:t>Finding 1</a:t>
+              <a:t>Technology trends are changing year by year.</a:t>
             </a:r>
           </a:p>
           <a:p>
             <a:r>
               <a:rPr lang="en-US" dirty="0"/>
-              <a:t>Finding 2</a:t>
+              <a:t>USA holds the first position in developer density.</a:t>
             </a:r>
           </a:p>
           <a:p>
             <a:r>
               <a:rPr lang="en-US" dirty="0"/>
-              <a:t>Finding 3</a:t>
+              <a:t>Man dominates in gender density in tech jobs.</a:t>
             </a:r>
           </a:p>
         </p:txBody>
@@ -7475,19 +7714,19 @@
           <a:p>
             <a:r>
               <a:rPr lang="en-US" dirty="0"/>
-              <a:t>Implication 1</a:t>
+              <a:t>Programmer show follow latest trends.</a:t>
             </a:r>
           </a:p>
           <a:p>
             <a:r>
               <a:rPr lang="en-US" dirty="0"/>
-              <a:t>Implication 2</a:t>
+              <a:t>Technology is dense over particular region it should spread out.</a:t>
             </a:r>
           </a:p>
           <a:p>
             <a:r>
               <a:rPr lang="en-US" dirty="0"/>
-              <a:t>Implication 3</a:t>
+              <a:t>There is a gender gap in industry it has to be take care.</a:t>
             </a:r>
           </a:p>
         </p:txBody>
@@ -7585,25 +7824,25 @@
           <a:p>
             <a:r>
               <a:rPr lang="en-US" dirty="0"/>
-              <a:t>Point 1</a:t>
+              <a:t>Current and future technology</a:t>
             </a:r>
           </a:p>
           <a:p>
             <a:r>
               <a:rPr lang="en-US" dirty="0"/>
-              <a:t>Point 2</a:t>
+              <a:t>Demographics</a:t>
             </a:r>
           </a:p>
           <a:p>
             <a:r>
               <a:rPr lang="en-US" dirty="0"/>
-              <a:t>Point 3</a:t>
+              <a:t>Gender and education</a:t>
             </a:r>
           </a:p>
           <a:p>
             <a:r>
               <a:rPr lang="en-US" dirty="0"/>
-              <a:t>Point 4</a:t>
+              <a:t>Age Classification</a:t>
             </a:r>
           </a:p>
         </p:txBody>
@@ -7705,39 +7944,35 @@
           </a:p>
         </p:txBody>
       </p:sp>
-      <p:sp>
-        <p:nvSpPr>
-          <p:cNvPr id="5" name="Content Placeholder 3">
+      <p:pic>
+        <p:nvPicPr>
+          <p:cNvPr id="6" name="Content Placeholder 5" descr="A graph of age and age&#10;&#10;Description automatically generated">
             <a:extLst>
               <a:ext uri="{FF2B5EF4-FFF2-40B4-BE49-F238E27FC236}">
-                <a16:creationId xmlns:a16="http://schemas.microsoft.com/office/drawing/2014/main" id="{28684E62-A9F8-4E7A-AB01-78893062A1B4}"/>
+                <a16:creationId xmlns:a16="http://schemas.microsoft.com/office/drawing/2014/main" id="{C9E6D791-3DF4-9801-C1E6-2A41519000BC}"/>
               </a:ext>
             </a:extLst>
           </p:cNvPr>
-          <p:cNvSpPr>
-            <a:spLocks noGrp="1"/>
-          </p:cNvSpPr>
+          <p:cNvPicPr>
+            <a:picLocks noGrp="1" noChangeAspect="1"/>
+          </p:cNvPicPr>
           <p:nvPr>
             <p:ph sz="half" idx="2"/>
           </p:nvPr>
-        </p:nvSpPr>
+        </p:nvPicPr>
+        <p:blipFill>
+          <a:blip r:embed="rId2"/>
+          <a:stretch>
+            <a:fillRect/>
+          </a:stretch>
+        </p:blipFill>
         <p:spPr>
           <a:xfrm>
-            <a:off x="4544291" y="1825625"/>
-            <a:ext cx="6809509" cy="4351338"/>
+            <a:off x="4437889" y="1475232"/>
+            <a:ext cx="6698254" cy="4701731"/>
           </a:xfrm>
         </p:spPr>
-        <p:txBody>
-          <a:bodyPr/>
-          <a:lstStyle/>
-          <a:p>
-            <a:r>
-              <a:rPr lang="en-US" dirty="0"/>
-              <a:t>Include any relevant additional charts, or tables that you may have created during the analysis phase.</a:t>
-            </a:r>
-          </a:p>
-        </p:txBody>
-      </p:sp>
+      </p:pic>
       <p:pic>
         <p:nvPicPr>
           <p:cNvPr id="4" name="Content Placeholder 3">
@@ -7755,7 +7990,7 @@
           </p:nvPr>
         </p:nvPicPr>
         <p:blipFill>
-          <a:blip r:embed="rId2"/>
+          <a:blip r:embed="rId3"/>
           <a:stretch>
             <a:fillRect/>
           </a:stretch>
@@ -7835,57 +8070,35 @@
           </a:p>
         </p:txBody>
       </p:sp>
-      <p:sp>
-        <p:nvSpPr>
-          <p:cNvPr id="3" name="Content Placeholder 2">
+      <p:pic>
+        <p:nvPicPr>
+          <p:cNvPr id="5" name="Content Placeholder 4" descr="A screenshot of a graph&#10;&#10;Description automatically generated">
             <a:extLst>
               <a:ext uri="{FF2B5EF4-FFF2-40B4-BE49-F238E27FC236}">
-                <a16:creationId xmlns:a16="http://schemas.microsoft.com/office/drawing/2014/main" id="{902FD5C4-FE5F-46D2-ABC9-49FA4BB8442F}"/>
+                <a16:creationId xmlns:a16="http://schemas.microsoft.com/office/drawing/2014/main" id="{DBC3BD3B-5912-6921-DEAB-8207FE6C83E5}"/>
               </a:ext>
             </a:extLst>
           </p:cNvPr>
-          <p:cNvSpPr>
-            <a:spLocks noGrp="1"/>
-          </p:cNvSpPr>
+          <p:cNvPicPr>
+            <a:picLocks noGrp="1" noChangeAspect="1"/>
+          </p:cNvPicPr>
           <p:nvPr>
             <p:ph sz="half" idx="2"/>
           </p:nvPr>
-        </p:nvSpPr>
+        </p:nvPicPr>
+        <p:blipFill>
+          <a:blip r:embed="rId2"/>
+          <a:stretch>
+            <a:fillRect/>
+          </a:stretch>
+        </p:blipFill>
         <p:spPr>
           <a:xfrm>
-            <a:off x="914400" y="2191385"/>
-            <a:ext cx="10489276" cy="2862753"/>
+            <a:off x="538248" y="1499616"/>
+            <a:ext cx="10824696" cy="4547616"/>
           </a:xfrm>
         </p:spPr>
-        <p:txBody>
-          <a:bodyPr>
-            <a:normAutofit/>
-          </a:bodyPr>
-          <a:lstStyle/>
-          <a:p>
-            <a:pPr marL="0" indent="0">
-              <a:buNone/>
-            </a:pPr>
-            <a:r>
-              <a:rPr lang="en-US" sz="2200" dirty="0"/>
-              <a:t>In Module 1 you have collected the job posting data using Job API in a file named “</a:t>
-            </a:r>
-            <a:r>
-              <a:rPr lang="en-IN" sz="2400" dirty="0"/>
-              <a:t>job-postings.xlsx</a:t>
-            </a:r>
-            <a:r>
-              <a:rPr lang="en-US" sz="2200" dirty="0"/>
-              <a:t>”. Present that data using a bar chart here. Order the bar chart in the descending order of the number of job </a:t>
-            </a:r>
-            <a:r>
-              <a:rPr lang="en-US" sz="2200"/>
-              <a:t>postings.</a:t>
-            </a:r>
-            <a:endParaRPr lang="en-US" sz="2200" dirty="0"/>
-          </a:p>
-        </p:txBody>
-      </p:sp>
+      </p:pic>
     </p:spTree>
     <p:extLst>
       <p:ext uri="{BB962C8B-B14F-4D97-AF65-F5344CB8AC3E}">
@@ -8648,56 +8861,35 @@
           </a:p>
         </p:txBody>
       </p:sp>
-      <p:sp>
-        <p:nvSpPr>
-          <p:cNvPr id="3" name="Content Placeholder 2">
+      <p:pic>
+        <p:nvPicPr>
+          <p:cNvPr id="5" name="Content Placeholder 4" descr="A purple bar graph with white text&#10;&#10;Description automatically generated">
             <a:extLst>
               <a:ext uri="{FF2B5EF4-FFF2-40B4-BE49-F238E27FC236}">
-                <a16:creationId xmlns:a16="http://schemas.microsoft.com/office/drawing/2014/main" id="{902FD5C4-FE5F-46D2-ABC9-49FA4BB8442F}"/>
+                <a16:creationId xmlns:a16="http://schemas.microsoft.com/office/drawing/2014/main" id="{B1FA38BF-195E-B273-12AA-68E7FD6F37E6}"/>
               </a:ext>
             </a:extLst>
           </p:cNvPr>
-          <p:cNvSpPr>
-            <a:spLocks noGrp="1"/>
-          </p:cNvSpPr>
+          <p:cNvPicPr>
+            <a:picLocks noGrp="1" noChangeAspect="1"/>
+          </p:cNvPicPr>
           <p:nvPr>
             <p:ph sz="half" idx="2"/>
           </p:nvPr>
-        </p:nvSpPr>
+        </p:nvPicPr>
+        <p:blipFill>
+          <a:blip r:embed="rId2"/>
+          <a:stretch>
+            <a:fillRect/>
+          </a:stretch>
+        </p:blipFill>
         <p:spPr>
           <a:xfrm>
-            <a:off x="878305" y="2191385"/>
-            <a:ext cx="10525371" cy="2862753"/>
+            <a:off x="538248" y="1528014"/>
+            <a:ext cx="11115504" cy="4482642"/>
           </a:xfrm>
         </p:spPr>
-        <p:txBody>
-          <a:bodyPr>
-            <a:normAutofit/>
-          </a:bodyPr>
-          <a:lstStyle/>
-          <a:p>
-            <a:pPr marL="0" indent="0">
-              <a:buNone/>
-            </a:pPr>
-            <a:r>
-              <a:rPr lang="en-US" sz="2200" dirty="0"/>
-              <a:t>In Module 1 you have collected the job postings data using web scraping in a file named “</a:t>
-            </a:r>
-            <a:r>
-              <a:rPr lang="en-IN" sz="2400" dirty="0"/>
-              <a:t>popular-</a:t>
-            </a:r>
-            <a:r>
-              <a:rPr lang="en-IN" sz="2400" dirty="0" err="1"/>
-              <a:t>languages.csv</a:t>
-            </a:r>
-            <a:r>
-              <a:rPr lang="en-US" sz="2200" dirty="0"/>
-              <a:t>”. Present that data using a bar chart here. Order the bar chart in the descending order of salary.</a:t>
-            </a:r>
-          </a:p>
-        </p:txBody>
-      </p:sp>
+      </p:pic>
     </p:spTree>
     <p:extLst>
       <p:ext uri="{BB962C8B-B14F-4D97-AF65-F5344CB8AC3E}">
